--- a/GrandeGuerraPrealpiVicentine.pptx
+++ b/GrandeGuerraPrealpiVicentine.pptx
@@ -109,6 +109,11 @@
       </a:defRPr>
     </a:lvl9pPr>
   </p:defaultTextStyle>
+  <p:extLst>
+    <p:ext uri="{EFAFB233-063F-42B5-8137-9DF3F51BA10A}">
+      <p15:sldGuideLst xmlns:p15="http://schemas.microsoft.com/office/powerpoint/2012/main"/>
+    </p:ext>
+  </p:extLst>
 </p:presentation>
 </file>
 
@@ -3281,7 +3286,7 @@
           <a:p>
             <a:fld id="{6B143EE0-664B-4692-9209-C26F46B8D071}" type="datetimeFigureOut">
               <a:rPr lang="it-IT" smtClean="0"/>
-              <a:t>16/09/2022</a:t>
+              <a:t>17/09/2022</a:t>
             </a:fld>
             <a:endParaRPr lang="it-IT"/>
           </a:p>
@@ -3502,7 +3507,7 @@
           <a:p>
             <a:fld id="{6B143EE0-664B-4692-9209-C26F46B8D071}" type="datetimeFigureOut">
               <a:rPr lang="it-IT" smtClean="0"/>
-              <a:t>16/09/2022</a:t>
+              <a:t>17/09/2022</a:t>
             </a:fld>
             <a:endParaRPr lang="it-IT"/>
           </a:p>
@@ -3682,7 +3687,7 @@
           <a:p>
             <a:fld id="{6B143EE0-664B-4692-9209-C26F46B8D071}" type="datetimeFigureOut">
               <a:rPr lang="it-IT" smtClean="0"/>
-              <a:t>16/09/2022</a:t>
+              <a:t>17/09/2022</a:t>
             </a:fld>
             <a:endParaRPr lang="it-IT"/>
           </a:p>
@@ -3852,7 +3857,7 @@
           <a:p>
             <a:fld id="{6B143EE0-664B-4692-9209-C26F46B8D071}" type="datetimeFigureOut">
               <a:rPr lang="it-IT" smtClean="0"/>
-              <a:t>16/09/2022</a:t>
+              <a:t>17/09/2022</a:t>
             </a:fld>
             <a:endParaRPr lang="it-IT"/>
           </a:p>
@@ -4103,7 +4108,7 @@
           <a:p>
             <a:fld id="{6B143EE0-664B-4692-9209-C26F46B8D071}" type="datetimeFigureOut">
               <a:rPr lang="it-IT" smtClean="0"/>
-              <a:t>16/09/2022</a:t>
+              <a:t>17/09/2022</a:t>
             </a:fld>
             <a:endParaRPr lang="it-IT"/>
           </a:p>
@@ -4426,7 +4431,7 @@
           <a:p>
             <a:fld id="{6B143EE0-664B-4692-9209-C26F46B8D071}" type="datetimeFigureOut">
               <a:rPr lang="it-IT" smtClean="0"/>
-              <a:t>16/09/2022</a:t>
+              <a:t>17/09/2022</a:t>
             </a:fld>
             <a:endParaRPr lang="it-IT"/>
           </a:p>
@@ -4850,7 +4855,7 @@
           <a:p>
             <a:fld id="{6B143EE0-664B-4692-9209-C26F46B8D071}" type="datetimeFigureOut">
               <a:rPr lang="it-IT" smtClean="0"/>
-              <a:t>16/09/2022</a:t>
+              <a:t>17/09/2022</a:t>
             </a:fld>
             <a:endParaRPr lang="it-IT"/>
           </a:p>
@@ -4968,7 +4973,7 @@
           <a:p>
             <a:fld id="{6B143EE0-664B-4692-9209-C26F46B8D071}" type="datetimeFigureOut">
               <a:rPr lang="it-IT" smtClean="0"/>
-              <a:t>16/09/2022</a:t>
+              <a:t>17/09/2022</a:t>
             </a:fld>
             <a:endParaRPr lang="it-IT"/>
           </a:p>
@@ -5063,7 +5068,7 @@
           <a:p>
             <a:fld id="{6B143EE0-664B-4692-9209-C26F46B8D071}" type="datetimeFigureOut">
               <a:rPr lang="it-IT" smtClean="0"/>
-              <a:t>16/09/2022</a:t>
+              <a:t>17/09/2022</a:t>
             </a:fld>
             <a:endParaRPr lang="it-IT"/>
           </a:p>
@@ -5353,7 +5358,7 @@
           <a:p>
             <a:fld id="{6B143EE0-664B-4692-9209-C26F46B8D071}" type="datetimeFigureOut">
               <a:rPr lang="it-IT" smtClean="0"/>
-              <a:t>16/09/2022</a:t>
+              <a:t>17/09/2022</a:t>
             </a:fld>
             <a:endParaRPr lang="it-IT"/>
           </a:p>
@@ -5625,7 +5630,7 @@
           <a:p>
             <a:fld id="{6B143EE0-664B-4692-9209-C26F46B8D071}" type="datetimeFigureOut">
               <a:rPr lang="it-IT" smtClean="0"/>
-              <a:t>16/09/2022</a:t>
+              <a:t>17/09/2022</a:t>
             </a:fld>
             <a:endParaRPr lang="it-IT"/>
           </a:p>
@@ -5879,7 +5884,7 @@
           <a:p>
             <a:fld id="{6B143EE0-664B-4692-9209-C26F46B8D071}" type="datetimeFigureOut">
               <a:rPr lang="it-IT" smtClean="0"/>
-              <a:t>16/09/2022</a:t>
+              <a:t>17/09/2022</a:t>
             </a:fld>
             <a:endParaRPr lang="it-IT"/>
           </a:p>
@@ -6583,7 +6588,9 @@
         </p:nvSpPr>
         <p:spPr/>
         <p:txBody>
-          <a:bodyPr/>
+          <a:bodyPr>
+            <a:normAutofit fontScale="92500" lnSpcReduction="20000"/>
+          </a:bodyPr>
           <a:lstStyle/>
           <a:p>
             <a:pPr marL="0" indent="0">
@@ -6633,6 +6640,34 @@
             <a:r>
               <a:rPr lang="it-IT" dirty="0" err="1"/>
               <a:t>Navbar</a:t>
+            </a:r>
+            <a:endParaRPr lang="it-IT" dirty="0"/>
+          </a:p>
+          <a:p>
+            <a:r>
+              <a:rPr lang="it-IT" dirty="0" err="1"/>
+              <a:t>Accordion</a:t>
+            </a:r>
+            <a:endParaRPr lang="it-IT" dirty="0"/>
+          </a:p>
+          <a:p>
+            <a:r>
+              <a:rPr lang="it-IT" dirty="0" err="1"/>
+              <a:t>Navtabs</a:t>
+            </a:r>
+            <a:endParaRPr lang="it-IT" dirty="0"/>
+          </a:p>
+          <a:p>
+            <a:r>
+              <a:rPr lang="it-IT" dirty="0" err="1"/>
+              <a:t>Bottons</a:t>
+            </a:r>
+            <a:endParaRPr lang="it-IT" dirty="0"/>
+          </a:p>
+          <a:p>
+            <a:r>
+              <a:rPr lang="it-IT" dirty="0" err="1"/>
+              <a:t>Pagination</a:t>
             </a:r>
             <a:endParaRPr lang="it-IT" dirty="0"/>
           </a:p>
@@ -6659,7 +6694,9 @@
         </p:nvSpPr>
         <p:spPr/>
         <p:txBody>
-          <a:bodyPr/>
+          <a:bodyPr>
+            <a:normAutofit fontScale="92500" lnSpcReduction="20000"/>
+          </a:bodyPr>
           <a:lstStyle/>
           <a:p>
             <a:pPr marL="0" indent="0">
@@ -6675,6 +6712,13 @@
               <a:rPr lang="it-IT" dirty="0"/>
               <a:t>Timeline </a:t>
             </a:r>
+          </a:p>
+          <a:p>
+            <a:r>
+              <a:rPr lang="it-IT" dirty="0" err="1"/>
+              <a:t>Juxtapose</a:t>
+            </a:r>
+            <a:endParaRPr lang="it-IT" dirty="0"/>
           </a:p>
         </p:txBody>
       </p:sp>
@@ -6942,11 +6986,7 @@
           <a:p>
             <a:r>
               <a:rPr lang="it-IT" dirty="0"/>
-              <a:t>Ricerca avanzata per persona, per data e </a:t>
-            </a:r>
-            <a:r>
-              <a:rPr lang="it-IT"/>
-              <a:t>per luogo</a:t>
+              <a:t>Ricerca avanzata per persona, per data e per luogo</a:t>
             </a:r>
           </a:p>
           <a:p>

--- a/GrandeGuerraPrealpiVicentine.pptx
+++ b/GrandeGuerraPrealpiVicentine.pptx
@@ -6659,10 +6659,9 @@
           </a:p>
           <a:p>
             <a:r>
-              <a:rPr lang="it-IT" dirty="0" err="1"/>
-              <a:t>Bottons</a:t>
-            </a:r>
-            <a:endParaRPr lang="it-IT" dirty="0"/>
+              <a:rPr lang="it-IT" dirty="0"/>
+              <a:t>Button group (ricerca avanzata)</a:t>
+            </a:r>
           </a:p>
           <a:p>
             <a:r>

--- a/GrandeGuerraPrealpiVicentine.pptx
+++ b/GrandeGuerraPrealpiVicentine.pptx
@@ -868,7 +868,7 @@
 <dgm:dataModel xmlns:dgm="http://schemas.openxmlformats.org/drawingml/2006/diagram" xmlns:a="http://schemas.openxmlformats.org/drawingml/2006/main">
   <dgm:ptLst>
     <dgm:pt modelId="{7CF73768-DDC1-47F8-B1AB-DE43F1308A87}" type="doc">
-      <dgm:prSet loTypeId="urn:microsoft.com/office/officeart/2008/layout/LinedList" loCatId="list" qsTypeId="urn:microsoft.com/office/officeart/2005/8/quickstyle/simple1" qsCatId="simple" csTypeId="urn:microsoft.com/office/officeart/2005/8/colors/accent1_2" csCatId="accent1"/>
+      <dgm:prSet loTypeId="urn:microsoft.com/office/officeart/2008/layout/LinedList" loCatId="list" qsTypeId="urn:microsoft.com/office/officeart/2005/8/quickstyle/simple1" qsCatId="simple" csTypeId="urn:microsoft.com/office/officeart/2005/8/colors/accent1_2" csCatId="accent1" phldr="1"/>
       <dgm:spPr/>
       <dgm:t>
         <a:bodyPr/>
@@ -923,10 +923,10 @@
         <a:lstStyle/>
         <a:p>
           <a:r>
-            <a:rPr lang="it-IT"/>
-            <a:t>Scopo è la creazione di un sito eterogeneo: riunire in un unico luogo qualsiasi tipologia di testimonianza culturale relativa al territorio vicentino, risalente agli anni della Prima Guerra Mondiale (1914-18)</a:t>
+            <a:rPr lang="it-IT" dirty="0"/>
+            <a:t>Scopo è la creazione di un sito eterogeneo: riunire in un unico luogo qualsiasi tipologia di testimonianza culturale relativa al territorio vicentino, risalente agli anni della Prima Guerra Mondiale (1914-18) e alle successive commemorazioni</a:t>
           </a:r>
-          <a:endParaRPr lang="en-US"/>
+          <a:endParaRPr lang="en-US" dirty="0"/>
         </a:p>
       </dgm:t>
     </dgm:pt>
@@ -1355,10 +1355,10 @@
             <a:buNone/>
           </a:pPr>
           <a:r>
-            <a:rPr lang="it-IT" sz="2400" kern="1200"/>
-            <a:t>Scopo è la creazione di un sito eterogeneo: riunire in un unico luogo qualsiasi tipologia di testimonianza culturale relativa al territorio vicentino, risalente agli anni della Prima Guerra Mondiale (1914-18)</a:t>
+            <a:rPr lang="it-IT" sz="2400" kern="1200" dirty="0"/>
+            <a:t>Scopo è la creazione di un sito eterogeneo: riunire in un unico luogo qualsiasi tipologia di testimonianza culturale relativa al territorio vicentino, risalente agli anni della Prima Guerra Mondiale (1914-18) e alle successive commemorazioni</a:t>
           </a:r>
-          <a:endParaRPr lang="en-US" sz="2400" kern="1200"/>
+          <a:endParaRPr lang="en-US" sz="2400" kern="1200" dirty="0"/>
         </a:p>
       </dsp:txBody>
       <dsp:txXfrm>
@@ -6500,6 +6500,11 @@
           </p:cNvGraphicFramePr>
           <p:nvPr>
             <p:ph idx="1"/>
+            <p:extLst>
+              <p:ext uri="{D42A27DB-BD31-4B8C-83A1-F6EECF244321}">
+                <p14:modId xmlns:p14="http://schemas.microsoft.com/office/powerpoint/2010/main" val="3287912933"/>
+              </p:ext>
+            </p:extLst>
           </p:nvPr>
         </p:nvGraphicFramePr>
         <p:xfrm>
@@ -6586,10 +6591,15 @@
             <p:ph sz="half" idx="1"/>
           </p:nvPr>
         </p:nvSpPr>
-        <p:spPr/>
+        <p:spPr>
+          <a:xfrm>
+            <a:off x="1143000" y="2057399"/>
+            <a:ext cx="4754880" cy="4023360"/>
+          </a:xfrm>
+        </p:spPr>
         <p:txBody>
           <a:bodyPr>
-            <a:normAutofit fontScale="92500" lnSpcReduction="20000"/>
+            <a:normAutofit fontScale="77500" lnSpcReduction="20000"/>
           </a:bodyPr>
           <a:lstStyle/>
           <a:p>
@@ -6669,6 +6679,16 @@
               <a:t>Pagination</a:t>
             </a:r>
             <a:endParaRPr lang="it-IT" dirty="0"/>
+          </a:p>
+          <a:p>
+            <a:r>
+              <a:rPr lang="it-IT" dirty="0" err="1"/>
+              <a:t>Table</a:t>
+            </a:r>
+            <a:r>
+              <a:rPr lang="it-IT" dirty="0"/>
+              <a:t> </a:t>
+            </a:r>
           </a:p>
           <a:p>
             <a:endParaRPr lang="it-IT" dirty="0"/>
@@ -6694,7 +6714,7 @@
         <p:spPr/>
         <p:txBody>
           <a:bodyPr>
-            <a:normAutofit fontScale="92500" lnSpcReduction="20000"/>
+            <a:normAutofit fontScale="77500" lnSpcReduction="20000"/>
           </a:bodyPr>
           <a:lstStyle/>
           <a:p>

--- a/GrandeGuerraPrealpiVicentine.pptx
+++ b/GrandeGuerraPrealpiVicentine.pptx
@@ -3286,7 +3286,7 @@
           <a:p>
             <a:fld id="{6B143EE0-664B-4692-9209-C26F46B8D071}" type="datetimeFigureOut">
               <a:rPr lang="it-IT" smtClean="0"/>
-              <a:t>17/09/2022</a:t>
+              <a:t>18/09/2022</a:t>
             </a:fld>
             <a:endParaRPr lang="it-IT"/>
           </a:p>
@@ -3507,7 +3507,7 @@
           <a:p>
             <a:fld id="{6B143EE0-664B-4692-9209-C26F46B8D071}" type="datetimeFigureOut">
               <a:rPr lang="it-IT" smtClean="0"/>
-              <a:t>17/09/2022</a:t>
+              <a:t>18/09/2022</a:t>
             </a:fld>
             <a:endParaRPr lang="it-IT"/>
           </a:p>
@@ -3687,7 +3687,7 @@
           <a:p>
             <a:fld id="{6B143EE0-664B-4692-9209-C26F46B8D071}" type="datetimeFigureOut">
               <a:rPr lang="it-IT" smtClean="0"/>
-              <a:t>17/09/2022</a:t>
+              <a:t>18/09/2022</a:t>
             </a:fld>
             <a:endParaRPr lang="it-IT"/>
           </a:p>
@@ -3857,7 +3857,7 @@
           <a:p>
             <a:fld id="{6B143EE0-664B-4692-9209-C26F46B8D071}" type="datetimeFigureOut">
               <a:rPr lang="it-IT" smtClean="0"/>
-              <a:t>17/09/2022</a:t>
+              <a:t>18/09/2022</a:t>
             </a:fld>
             <a:endParaRPr lang="it-IT"/>
           </a:p>
@@ -4108,7 +4108,7 @@
           <a:p>
             <a:fld id="{6B143EE0-664B-4692-9209-C26F46B8D071}" type="datetimeFigureOut">
               <a:rPr lang="it-IT" smtClean="0"/>
-              <a:t>17/09/2022</a:t>
+              <a:t>18/09/2022</a:t>
             </a:fld>
             <a:endParaRPr lang="it-IT"/>
           </a:p>
@@ -4431,7 +4431,7 @@
           <a:p>
             <a:fld id="{6B143EE0-664B-4692-9209-C26F46B8D071}" type="datetimeFigureOut">
               <a:rPr lang="it-IT" smtClean="0"/>
-              <a:t>17/09/2022</a:t>
+              <a:t>18/09/2022</a:t>
             </a:fld>
             <a:endParaRPr lang="it-IT"/>
           </a:p>
@@ -4855,7 +4855,7 @@
           <a:p>
             <a:fld id="{6B143EE0-664B-4692-9209-C26F46B8D071}" type="datetimeFigureOut">
               <a:rPr lang="it-IT" smtClean="0"/>
-              <a:t>17/09/2022</a:t>
+              <a:t>18/09/2022</a:t>
             </a:fld>
             <a:endParaRPr lang="it-IT"/>
           </a:p>
@@ -4973,7 +4973,7 @@
           <a:p>
             <a:fld id="{6B143EE0-664B-4692-9209-C26F46B8D071}" type="datetimeFigureOut">
               <a:rPr lang="it-IT" smtClean="0"/>
-              <a:t>17/09/2022</a:t>
+              <a:t>18/09/2022</a:t>
             </a:fld>
             <a:endParaRPr lang="it-IT"/>
           </a:p>
@@ -5068,7 +5068,7 @@
           <a:p>
             <a:fld id="{6B143EE0-664B-4692-9209-C26F46B8D071}" type="datetimeFigureOut">
               <a:rPr lang="it-IT" smtClean="0"/>
-              <a:t>17/09/2022</a:t>
+              <a:t>18/09/2022</a:t>
             </a:fld>
             <a:endParaRPr lang="it-IT"/>
           </a:p>
@@ -5358,7 +5358,7 @@
           <a:p>
             <a:fld id="{6B143EE0-664B-4692-9209-C26F46B8D071}" type="datetimeFigureOut">
               <a:rPr lang="it-IT" smtClean="0"/>
-              <a:t>17/09/2022</a:t>
+              <a:t>18/09/2022</a:t>
             </a:fld>
             <a:endParaRPr lang="it-IT"/>
           </a:p>
@@ -5630,7 +5630,7 @@
           <a:p>
             <a:fld id="{6B143EE0-664B-4692-9209-C26F46B8D071}" type="datetimeFigureOut">
               <a:rPr lang="it-IT" smtClean="0"/>
-              <a:t>17/09/2022</a:t>
+              <a:t>18/09/2022</a:t>
             </a:fld>
             <a:endParaRPr lang="it-IT"/>
           </a:p>
@@ -5884,7 +5884,7 @@
           <a:p>
             <a:fld id="{6B143EE0-664B-4692-9209-C26F46B8D071}" type="datetimeFigureOut">
               <a:rPr lang="it-IT" smtClean="0"/>
-              <a:t>17/09/2022</a:t>
+              <a:t>18/09/2022</a:t>
             </a:fld>
             <a:endParaRPr lang="it-IT"/>
           </a:p>
@@ -6593,13 +6593,13 @@
         </p:nvSpPr>
         <p:spPr>
           <a:xfrm>
-            <a:off x="1143000" y="2057399"/>
-            <a:ext cx="4754880" cy="4023360"/>
+            <a:off x="1143000" y="1880171"/>
+            <a:ext cx="4754880" cy="4200588"/>
           </a:xfrm>
         </p:spPr>
         <p:txBody>
           <a:bodyPr>
-            <a:normAutofit fontScale="77500" lnSpcReduction="20000"/>
+            <a:normAutofit fontScale="85000" lnSpcReduction="20000"/>
           </a:bodyPr>
           <a:lstStyle/>
           <a:p>
@@ -6607,7 +6607,7 @@
               <a:buNone/>
             </a:pPr>
             <a:r>
-              <a:rPr lang="it-IT" dirty="0"/>
+              <a:rPr lang="it-IT" sz="2600" dirty="0"/>
               <a:t>Utilities</a:t>
             </a:r>
           </a:p>
@@ -6711,10 +6711,15 @@
             <p:ph sz="half" idx="2"/>
           </p:nvPr>
         </p:nvSpPr>
-        <p:spPr/>
+        <p:spPr>
+          <a:xfrm>
+            <a:off x="6096000" y="1880171"/>
+            <a:ext cx="4926492" cy="4200589"/>
+          </a:xfrm>
+        </p:spPr>
         <p:txBody>
           <a:bodyPr>
-            <a:normAutofit fontScale="77500" lnSpcReduction="20000"/>
+            <a:normAutofit fontScale="85000" lnSpcReduction="20000"/>
           </a:bodyPr>
           <a:lstStyle/>
           <a:p>
@@ -6722,7 +6727,7 @@
               <a:buNone/>
             </a:pPr>
             <a:r>
-              <a:rPr lang="it-IT" dirty="0"/>
+              <a:rPr lang="it-IT" sz="2600" dirty="0"/>
               <a:t>Storytelling</a:t>
             </a:r>
           </a:p>
@@ -6738,6 +6743,59 @@
               <a:t>Juxtapose</a:t>
             </a:r>
             <a:endParaRPr lang="it-IT" dirty="0"/>
+          </a:p>
+          <a:p>
+            <a:endParaRPr lang="it-IT" dirty="0"/>
+          </a:p>
+          <a:p>
+            <a:endParaRPr lang="it-IT" dirty="0"/>
+          </a:p>
+          <a:p>
+            <a:pPr marL="45720" indent="0">
+              <a:buNone/>
+            </a:pPr>
+            <a:r>
+              <a:rPr lang="it-IT" sz="2600" dirty="0"/>
+              <a:t>Architettura logica home-page</a:t>
+            </a:r>
+            <a:r>
+              <a:rPr lang="it-IT" dirty="0"/>
+              <a:t>:</a:t>
+            </a:r>
+          </a:p>
+          <a:p>
+            <a:r>
+              <a:rPr lang="it-IT" dirty="0" err="1"/>
+              <a:t>Header</a:t>
+            </a:r>
+            <a:r>
+              <a:rPr lang="it-IT" dirty="0"/>
+              <a:t> – </a:t>
+            </a:r>
+            <a:r>
+              <a:rPr lang="it-IT" dirty="0" err="1"/>
+              <a:t>Nav</a:t>
+            </a:r>
+            <a:r>
+              <a:rPr lang="it-IT" dirty="0"/>
+              <a:t> – </a:t>
+            </a:r>
+            <a:r>
+              <a:rPr lang="it-IT" dirty="0" err="1"/>
+              <a:t>Section</a:t>
+            </a:r>
+            <a:r>
+              <a:rPr lang="it-IT" dirty="0"/>
+              <a:t> (div) – </a:t>
+            </a:r>
+            <a:r>
+              <a:rPr lang="it-IT" dirty="0" err="1"/>
+              <a:t>Footer</a:t>
+            </a:r>
+            <a:r>
+              <a:rPr lang="it-IT" dirty="0"/>
+              <a:t> </a:t>
+            </a:r>
           </a:p>
         </p:txBody>
       </p:sp>

--- a/GrandeGuerraPrealpiVicentine.pptx
+++ b/GrandeGuerraPrealpiVicentine.pptx
@@ -886,10 +886,10 @@
         <a:lstStyle/>
         <a:p>
           <a:r>
-            <a:rPr lang="it-IT"/>
+            <a:rPr lang="it-IT" dirty="0"/>
             <a:t>Progetto di un sito web interamente dedicato al patrimonio culturale della Grande Guerra in territorio vicentino</a:t>
           </a:r>
-          <a:endParaRPr lang="en-US"/>
+          <a:endParaRPr lang="en-US" dirty="0"/>
         </a:p>
       </dgm:t>
     </dgm:pt>
@@ -960,10 +960,10 @@
         <a:lstStyle/>
         <a:p>
           <a:r>
-            <a:rPr lang="it-IT"/>
+            <a:rPr lang="it-IT" dirty="0"/>
             <a:t>Il sito non vuole essere un semplice repository, ma una pagina per favorire la divulgazione del patrimonio bellico vicentino poco conosciuto e soprattutto una piattaforma partecipativa e in costante aggiornamento</a:t>
           </a:r>
-          <a:endParaRPr lang="en-US"/>
+          <a:endParaRPr lang="en-US" dirty="0"/>
         </a:p>
       </dgm:t>
     </dgm:pt>
@@ -997,10 +997,10 @@
         <a:lstStyle/>
         <a:p>
           <a:r>
-            <a:rPr lang="it-IT"/>
-            <a:t>Per mantenere vivo il sito viene proposta l’iscrizione alla newsletter, la condivisione tramite social degli itinerari percorsi sulla Grande Guerra e la partecipazione ad un blog  </a:t>
+            <a:rPr lang="it-IT" dirty="0"/>
+            <a:t>Per mantenere vivo il sito viene proposta l’iscrizione alla newsletter, l’accesso alla pagina personale tramite credenziali, la condivisione tramite social degli itinerari percorsi sulla Grande Guerra e la partecipazione ad un blog (questi ultimi due elementi non sono stati sviluppati)  </a:t>
           </a:r>
-          <a:endParaRPr lang="en-US"/>
+          <a:endParaRPr lang="en-US" dirty="0"/>
         </a:p>
       </dgm:t>
     </dgm:pt>
@@ -1045,7 +1045,7 @@
       <dgm:spPr/>
     </dgm:pt>
     <dgm:pt modelId="{91BB74F3-AE28-41F6-9782-7B552394D54B}" type="pres">
-      <dgm:prSet presAssocID="{968CBC0B-2EDB-4032-8EB2-C696A2E1FB5F}" presName="tx1" presStyleLbl="revTx" presStyleIdx="0" presStyleCnt="4"/>
+      <dgm:prSet presAssocID="{968CBC0B-2EDB-4032-8EB2-C696A2E1FB5F}" presName="tx1" presStyleLbl="revTx" presStyleIdx="0" presStyleCnt="4" custScaleY="69606"/>
       <dgm:spPr/>
     </dgm:pt>
     <dgm:pt modelId="{66D73328-3A0B-45E6-91DA-DF8D8A12D74E}" type="pres">
@@ -1093,7 +1093,7 @@
       <dgm:spPr/>
     </dgm:pt>
     <dgm:pt modelId="{8CB0C30A-27B1-43F8-ABCD-88E94ADC76BC}" type="pres">
-      <dgm:prSet presAssocID="{26E291CA-C197-4D71-9F1E-5CACB8C8BAE1}" presName="tx1" presStyleLbl="revTx" presStyleIdx="3" presStyleCnt="4"/>
+      <dgm:prSet presAssocID="{26E291CA-C197-4D71-9F1E-5CACB8C8BAE1}" presName="tx1" presStyleLbl="revTx" presStyleIdx="3" presStyleCnt="4" custScaleY="121261"/>
       <dgm:spPr/>
     </dgm:pt>
     <dgm:pt modelId="{56CE90F6-9E7A-41BA-8E1B-FDFF1D5B2949}" type="pres">
@@ -1153,7 +1153,7 @@
       </dsp:nvSpPr>
       <dsp:spPr>
         <a:xfrm>
-          <a:off x="0" y="0"/>
+          <a:off x="0" y="4533"/>
           <a:ext cx="10515600" cy="0"/>
         </a:xfrm>
         <a:prstGeom prst="line">
@@ -1202,8 +1202,8 @@
       </dsp:nvSpPr>
       <dsp:spPr>
         <a:xfrm>
-          <a:off x="0" y="0"/>
-          <a:ext cx="10515600" cy="1200546"/>
+          <a:off x="0" y="4533"/>
+          <a:ext cx="10515600" cy="876539"/>
         </a:xfrm>
         <a:prstGeom prst="rect">
           <a:avLst/>
@@ -1245,15 +1245,15 @@
             <a:buNone/>
           </a:pPr>
           <a:r>
-            <a:rPr lang="it-IT" sz="2400" kern="1200"/>
+            <a:rPr lang="it-IT" sz="2400" kern="1200" dirty="0"/>
             <a:t>Progetto di un sito web interamente dedicato al patrimonio culturale della Grande Guerra in territorio vicentino</a:t>
           </a:r>
-          <a:endParaRPr lang="en-US" sz="2400" kern="1200"/>
+          <a:endParaRPr lang="en-US" sz="2400" kern="1200" dirty="0"/>
         </a:p>
       </dsp:txBody>
       <dsp:txXfrm>
-        <a:off x="0" y="0"/>
-        <a:ext cx="10515600" cy="1200546"/>
+        <a:off x="0" y="4533"/>
+        <a:ext cx="10515600" cy="876539"/>
       </dsp:txXfrm>
     </dsp:sp>
     <dsp:sp modelId="{AD016724-D1BE-4907-B624-9BFDCB085CCA}">
@@ -1263,7 +1263,7 @@
       </dsp:nvSpPr>
       <dsp:spPr>
         <a:xfrm>
-          <a:off x="0" y="1200546"/>
+          <a:off x="0" y="881072"/>
           <a:ext cx="10515600" cy="0"/>
         </a:xfrm>
         <a:prstGeom prst="line">
@@ -1312,8 +1312,8 @@
       </dsp:nvSpPr>
       <dsp:spPr>
         <a:xfrm>
-          <a:off x="0" y="1200546"/>
-          <a:ext cx="10515600" cy="1200546"/>
+          <a:off x="0" y="881072"/>
+          <a:ext cx="10515600" cy="1259286"/>
         </a:xfrm>
         <a:prstGeom prst="rect">
           <a:avLst/>
@@ -1362,8 +1362,8 @@
         </a:p>
       </dsp:txBody>
       <dsp:txXfrm>
-        <a:off x="0" y="1200546"/>
-        <a:ext cx="10515600" cy="1200546"/>
+        <a:off x="0" y="881072"/>
+        <a:ext cx="10515600" cy="1259286"/>
       </dsp:txXfrm>
     </dsp:sp>
     <dsp:sp modelId="{781FB4EA-0CFC-43B2-8DD2-2CE2FB814E8D}">
@@ -1373,7 +1373,7 @@
       </dsp:nvSpPr>
       <dsp:spPr>
         <a:xfrm>
-          <a:off x="0" y="2401093"/>
+          <a:off x="0" y="2140359"/>
           <a:ext cx="10515600" cy="0"/>
         </a:xfrm>
         <a:prstGeom prst="line">
@@ -1422,8 +1422,8 @@
       </dsp:nvSpPr>
       <dsp:spPr>
         <a:xfrm>
-          <a:off x="0" y="2401093"/>
-          <a:ext cx="10515600" cy="1200546"/>
+          <a:off x="0" y="2140359"/>
+          <a:ext cx="10515600" cy="1259286"/>
         </a:xfrm>
         <a:prstGeom prst="rect">
           <a:avLst/>
@@ -1465,15 +1465,15 @@
             <a:buNone/>
           </a:pPr>
           <a:r>
-            <a:rPr lang="it-IT" sz="2400" kern="1200"/>
+            <a:rPr lang="it-IT" sz="2400" kern="1200" dirty="0"/>
             <a:t>Il sito non vuole essere un semplice repository, ma una pagina per favorire la divulgazione del patrimonio bellico vicentino poco conosciuto e soprattutto una piattaforma partecipativa e in costante aggiornamento</a:t>
           </a:r>
-          <a:endParaRPr lang="en-US" sz="2400" kern="1200"/>
+          <a:endParaRPr lang="en-US" sz="2400" kern="1200" dirty="0"/>
         </a:p>
       </dsp:txBody>
       <dsp:txXfrm>
-        <a:off x="0" y="2401093"/>
-        <a:ext cx="10515600" cy="1200546"/>
+        <a:off x="0" y="2140359"/>
+        <a:ext cx="10515600" cy="1259286"/>
       </dsp:txXfrm>
     </dsp:sp>
     <dsp:sp modelId="{0309D192-6B02-4A8D-80A2-C63E3CCB17C4}">
@@ -1483,7 +1483,7 @@
       </dsp:nvSpPr>
       <dsp:spPr>
         <a:xfrm>
-          <a:off x="0" y="3601640"/>
+          <a:off x="0" y="3399645"/>
           <a:ext cx="10515600" cy="0"/>
         </a:xfrm>
         <a:prstGeom prst="line">
@@ -1532,8 +1532,8 @@
       </dsp:nvSpPr>
       <dsp:spPr>
         <a:xfrm>
-          <a:off x="0" y="3601640"/>
-          <a:ext cx="10515600" cy="1200546"/>
+          <a:off x="0" y="3399645"/>
+          <a:ext cx="10505330" cy="1527023"/>
         </a:xfrm>
         <a:prstGeom prst="rect">
           <a:avLst/>
@@ -1575,15 +1575,15 @@
             <a:buNone/>
           </a:pPr>
           <a:r>
-            <a:rPr lang="it-IT" sz="2400" kern="1200"/>
-            <a:t>Per mantenere vivo il sito viene proposta l’iscrizione alla newsletter, la condivisione tramite social degli itinerari percorsi sulla Grande Guerra e la partecipazione ad un blog  </a:t>
+            <a:rPr lang="it-IT" sz="2400" kern="1200" dirty="0"/>
+            <a:t>Per mantenere vivo il sito viene proposta l’iscrizione alla newsletter, l’accesso alla pagina personale tramite credenziali, la condivisione tramite social degli itinerari percorsi sulla Grande Guerra e la partecipazione ad un blog (questi ultimi due elementi non sono stati sviluppati)  </a:t>
           </a:r>
-          <a:endParaRPr lang="en-US" sz="2400" kern="1200"/>
+          <a:endParaRPr lang="en-US" sz="2400" kern="1200" dirty="0"/>
         </a:p>
       </dsp:txBody>
       <dsp:txXfrm>
-        <a:off x="0" y="3601640"/>
-        <a:ext cx="10515600" cy="1200546"/>
+        <a:off x="0" y="3399645"/>
+        <a:ext cx="10505330" cy="1527023"/>
       </dsp:txXfrm>
     </dsp:sp>
   </dsp:spTree>
@@ -3286,7 +3286,7 @@
           <a:p>
             <a:fld id="{6B143EE0-664B-4692-9209-C26F46B8D071}" type="datetimeFigureOut">
               <a:rPr lang="it-IT" smtClean="0"/>
-              <a:t>18/09/2022</a:t>
+              <a:t>19/09/2022</a:t>
             </a:fld>
             <a:endParaRPr lang="it-IT"/>
           </a:p>
@@ -3507,7 +3507,7 @@
           <a:p>
             <a:fld id="{6B143EE0-664B-4692-9209-C26F46B8D071}" type="datetimeFigureOut">
               <a:rPr lang="it-IT" smtClean="0"/>
-              <a:t>18/09/2022</a:t>
+              <a:t>19/09/2022</a:t>
             </a:fld>
             <a:endParaRPr lang="it-IT"/>
           </a:p>
@@ -3687,7 +3687,7 @@
           <a:p>
             <a:fld id="{6B143EE0-664B-4692-9209-C26F46B8D071}" type="datetimeFigureOut">
               <a:rPr lang="it-IT" smtClean="0"/>
-              <a:t>18/09/2022</a:t>
+              <a:t>19/09/2022</a:t>
             </a:fld>
             <a:endParaRPr lang="it-IT"/>
           </a:p>
@@ -3857,7 +3857,7 @@
           <a:p>
             <a:fld id="{6B143EE0-664B-4692-9209-C26F46B8D071}" type="datetimeFigureOut">
               <a:rPr lang="it-IT" smtClean="0"/>
-              <a:t>18/09/2022</a:t>
+              <a:t>19/09/2022</a:t>
             </a:fld>
             <a:endParaRPr lang="it-IT"/>
           </a:p>
@@ -4108,7 +4108,7 @@
           <a:p>
             <a:fld id="{6B143EE0-664B-4692-9209-C26F46B8D071}" type="datetimeFigureOut">
               <a:rPr lang="it-IT" smtClean="0"/>
-              <a:t>18/09/2022</a:t>
+              <a:t>19/09/2022</a:t>
             </a:fld>
             <a:endParaRPr lang="it-IT"/>
           </a:p>
@@ -4431,7 +4431,7 @@
           <a:p>
             <a:fld id="{6B143EE0-664B-4692-9209-C26F46B8D071}" type="datetimeFigureOut">
               <a:rPr lang="it-IT" smtClean="0"/>
-              <a:t>18/09/2022</a:t>
+              <a:t>19/09/2022</a:t>
             </a:fld>
             <a:endParaRPr lang="it-IT"/>
           </a:p>
@@ -4855,7 +4855,7 @@
           <a:p>
             <a:fld id="{6B143EE0-664B-4692-9209-C26F46B8D071}" type="datetimeFigureOut">
               <a:rPr lang="it-IT" smtClean="0"/>
-              <a:t>18/09/2022</a:t>
+              <a:t>19/09/2022</a:t>
             </a:fld>
             <a:endParaRPr lang="it-IT"/>
           </a:p>
@@ -4973,7 +4973,7 @@
           <a:p>
             <a:fld id="{6B143EE0-664B-4692-9209-C26F46B8D071}" type="datetimeFigureOut">
               <a:rPr lang="it-IT" smtClean="0"/>
-              <a:t>18/09/2022</a:t>
+              <a:t>19/09/2022</a:t>
             </a:fld>
             <a:endParaRPr lang="it-IT"/>
           </a:p>
@@ -5068,7 +5068,7 @@
           <a:p>
             <a:fld id="{6B143EE0-664B-4692-9209-C26F46B8D071}" type="datetimeFigureOut">
               <a:rPr lang="it-IT" smtClean="0"/>
-              <a:t>18/09/2022</a:t>
+              <a:t>19/09/2022</a:t>
             </a:fld>
             <a:endParaRPr lang="it-IT"/>
           </a:p>
@@ -5358,7 +5358,7 @@
           <a:p>
             <a:fld id="{6B143EE0-664B-4692-9209-C26F46B8D071}" type="datetimeFigureOut">
               <a:rPr lang="it-IT" smtClean="0"/>
-              <a:t>18/09/2022</a:t>
+              <a:t>19/09/2022</a:t>
             </a:fld>
             <a:endParaRPr lang="it-IT"/>
           </a:p>
@@ -5630,7 +5630,7 @@
           <a:p>
             <a:fld id="{6B143EE0-664B-4692-9209-C26F46B8D071}" type="datetimeFigureOut">
               <a:rPr lang="it-IT" smtClean="0"/>
-              <a:t>18/09/2022</a:t>
+              <a:t>19/09/2022</a:t>
             </a:fld>
             <a:endParaRPr lang="it-IT"/>
           </a:p>
@@ -5884,7 +5884,7 @@
           <a:p>
             <a:fld id="{6B143EE0-664B-4692-9209-C26F46B8D071}" type="datetimeFigureOut">
               <a:rPr lang="it-IT" smtClean="0"/>
-              <a:t>18/09/2022</a:t>
+              <a:t>19/09/2022</a:t>
             </a:fld>
             <a:endParaRPr lang="it-IT"/>
           </a:p>
@@ -6375,10 +6375,9 @@
           <a:p>
             <a:pPr algn="ctr"/>
             <a:r>
-              <a:rPr lang="it-IT"/>
+              <a:rPr lang="it-IT" dirty="0"/>
               <a:t>Grande Guerra nelle Prealpi vicentine</a:t>
             </a:r>
-            <a:endParaRPr lang="it-IT" dirty="0"/>
           </a:p>
         </p:txBody>
       </p:sp>
@@ -6474,7 +6473,12 @@
             <p:ph type="title"/>
           </p:nvPr>
         </p:nvSpPr>
-        <p:spPr/>
+        <p:spPr>
+          <a:xfrm>
+            <a:off x="5393932" y="609600"/>
+            <a:ext cx="5624587" cy="767137"/>
+          </a:xfrm>
+        </p:spPr>
         <p:txBody>
           <a:bodyPr/>
           <a:lstStyle/>
@@ -6502,14 +6506,14 @@
             <p:ph idx="1"/>
             <p:extLst>
               <p:ext uri="{D42A27DB-BD31-4B8C-83A1-F6EECF244321}">
-                <p14:modId xmlns:p14="http://schemas.microsoft.com/office/powerpoint/2010/main" val="3287912933"/>
+                <p14:modId xmlns:p14="http://schemas.microsoft.com/office/powerpoint/2010/main" val="179420897"/>
               </p:ext>
             </p:extLst>
           </p:nvPr>
         </p:nvGraphicFramePr>
         <p:xfrm>
-          <a:off x="838200" y="1690688"/>
-          <a:ext cx="10515600" cy="4802187"/>
+          <a:off x="838200" y="1561672"/>
+          <a:ext cx="10515600" cy="4931203"/>
         </p:xfrm>
         <a:graphic>
           <a:graphicData uri="http://schemas.openxmlformats.org/drawingml/2006/diagram">
@@ -6607,8 +6611,8 @@
               <a:buNone/>
             </a:pPr>
             <a:r>
-              <a:rPr lang="it-IT" sz="2600" dirty="0"/>
-              <a:t>Utilities</a:t>
+              <a:rPr lang="it-IT" sz="2800" b="1" dirty="0"/>
+              <a:t>Utilities - Bootstrap</a:t>
             </a:r>
           </a:p>
           <a:p>
@@ -6663,7 +6667,7 @@
           <a:p>
             <a:r>
               <a:rPr lang="it-IT" dirty="0" err="1"/>
-              <a:t>Navtabs</a:t>
+              <a:t>Nav-tabs</a:t>
             </a:r>
             <a:endParaRPr lang="it-IT" dirty="0"/>
           </a:p>
@@ -6687,7 +6691,7 @@
             </a:r>
             <a:r>
               <a:rPr lang="it-IT" dirty="0"/>
-              <a:t> </a:t>
+              <a:t> (metadati)</a:t>
             </a:r>
           </a:p>
           <a:p>
@@ -6727,8 +6731,12 @@
               <a:buNone/>
             </a:pPr>
             <a:r>
-              <a:rPr lang="it-IT" sz="2600" dirty="0"/>
-              <a:t>Storytelling</a:t>
+              <a:rPr lang="it-IT" sz="2800" b="1" dirty="0"/>
+              <a:t>Storytelling  </a:t>
+            </a:r>
+            <a:r>
+              <a:rPr lang="it-IT" sz="2100" dirty="0"/>
+              <a:t>(Knight Lab)</a:t>
             </a:r>
           </a:p>
           <a:p>
@@ -6755,7 +6763,7 @@
               <a:buNone/>
             </a:pPr>
             <a:r>
-              <a:rPr lang="it-IT" sz="2600" dirty="0"/>
+              <a:rPr lang="it-IT" sz="2800" b="1" dirty="0"/>
               <a:t>Architettura logica home-page</a:t>
             </a:r>
             <a:r>
@@ -6796,6 +6804,12 @@
               <a:rPr lang="it-IT" dirty="0"/>
               <a:t> </a:t>
             </a:r>
+          </a:p>
+          <a:p>
+            <a:pPr marL="45720" indent="0">
+              <a:buNone/>
+            </a:pPr>
+            <a:endParaRPr lang="it-IT" dirty="0"/>
           </a:p>
         </p:txBody>
       </p:sp>
@@ -6845,7 +6859,12 @@
             <p:ph type="title"/>
           </p:nvPr>
         </p:nvSpPr>
-        <p:spPr/>
+        <p:spPr>
+          <a:xfrm>
+            <a:off x="4171308" y="1582220"/>
+            <a:ext cx="6847212" cy="3770616"/>
+          </a:xfrm>
+        </p:spPr>
         <p:txBody>
           <a:bodyPr/>
           <a:lstStyle/>
@@ -6859,29 +6878,669 @@
       </p:sp>
       <p:sp>
         <p:nvSpPr>
-          <p:cNvPr id="3" name="Segnaposto contenuto 2">
+          <p:cNvPr id="9" name="Ovale 8">
             <a:extLst>
               <a:ext uri="{FF2B5EF4-FFF2-40B4-BE49-F238E27FC236}">
-                <a16:creationId xmlns:a16="http://schemas.microsoft.com/office/drawing/2014/main" id="{60AB57A8-3A62-D95C-B26F-570B067ABD12}"/>
+                <a16:creationId xmlns:a16="http://schemas.microsoft.com/office/drawing/2014/main" id="{2AED491F-7053-5796-56E1-B4BBBAA10664}"/>
               </a:ext>
             </a:extLst>
           </p:cNvPr>
-          <p:cNvSpPr>
-            <a:spLocks noGrp="1"/>
-          </p:cNvSpPr>
-          <p:nvPr>
-            <p:ph idx="1"/>
-          </p:nvPr>
-        </p:nvSpPr>
-        <p:spPr/>
+          <p:cNvSpPr/>
+          <p:nvPr/>
+        </p:nvSpPr>
+        <p:spPr>
+          <a:xfrm>
+            <a:off x="7972747" y="1089060"/>
+            <a:ext cx="2445249" cy="1672119"/>
+          </a:xfrm>
+          <a:prstGeom prst="ellipse">
+            <a:avLst/>
+          </a:prstGeom>
+        </p:spPr>
+        <p:style>
+          <a:lnRef idx="2">
+            <a:schemeClr val="accent1">
+              <a:shade val="50000"/>
+            </a:schemeClr>
+          </a:lnRef>
+          <a:fillRef idx="1">
+            <a:schemeClr val="accent1"/>
+          </a:fillRef>
+          <a:effectRef idx="0">
+            <a:schemeClr val="accent1"/>
+          </a:effectRef>
+          <a:fontRef idx="minor">
+            <a:schemeClr val="lt1"/>
+          </a:fontRef>
+        </p:style>
         <p:txBody>
-          <a:bodyPr/>
+          <a:bodyPr rtlCol="0" anchor="ctr"/>
           <a:lstStyle/>
           <a:p>
-            <a:endParaRPr lang="it-IT"/>
+            <a:pPr algn="ctr"/>
+            <a:r>
+              <a:rPr lang="it-IT" sz="2400" dirty="0"/>
+              <a:t>Dipinti</a:t>
+            </a:r>
           </a:p>
         </p:txBody>
       </p:sp>
+      <p:sp>
+        <p:nvSpPr>
+          <p:cNvPr id="10" name="Ovale 9">
+            <a:extLst>
+              <a:ext uri="{FF2B5EF4-FFF2-40B4-BE49-F238E27FC236}">
+                <a16:creationId xmlns:a16="http://schemas.microsoft.com/office/drawing/2014/main" id="{4BC6884D-4A99-09CE-B619-CC8FD46B5C6A}"/>
+              </a:ext>
+            </a:extLst>
+          </p:cNvPr>
+          <p:cNvSpPr/>
+          <p:nvPr/>
+        </p:nvSpPr>
+        <p:spPr>
+          <a:xfrm>
+            <a:off x="8620018" y="3274888"/>
+            <a:ext cx="2640458" cy="1183070"/>
+          </a:xfrm>
+          <a:prstGeom prst="ellipse">
+            <a:avLst/>
+          </a:prstGeom>
+        </p:spPr>
+        <p:style>
+          <a:lnRef idx="2">
+            <a:schemeClr val="accent1">
+              <a:shade val="50000"/>
+            </a:schemeClr>
+          </a:lnRef>
+          <a:fillRef idx="1">
+            <a:schemeClr val="accent1"/>
+          </a:fillRef>
+          <a:effectRef idx="0">
+            <a:schemeClr val="accent1"/>
+          </a:effectRef>
+          <a:fontRef idx="minor">
+            <a:schemeClr val="lt1"/>
+          </a:fontRef>
+        </p:style>
+        <p:txBody>
+          <a:bodyPr rtlCol="0" anchor="ctr"/>
+          <a:lstStyle/>
+          <a:p>
+            <a:pPr algn="ctr"/>
+            <a:r>
+              <a:rPr lang="it-IT" sz="2400" dirty="0"/>
+              <a:t>Disegni</a:t>
+            </a:r>
+            <a:r>
+              <a:rPr lang="it-IT" dirty="0"/>
+              <a:t> </a:t>
+            </a:r>
+          </a:p>
+        </p:txBody>
+      </p:sp>
+      <p:sp>
+        <p:nvSpPr>
+          <p:cNvPr id="11" name="Ovale 10">
+            <a:extLst>
+              <a:ext uri="{FF2B5EF4-FFF2-40B4-BE49-F238E27FC236}">
+                <a16:creationId xmlns:a16="http://schemas.microsoft.com/office/drawing/2014/main" id="{0005D23E-0B6B-E9A8-BA87-4DAA05E0C0CA}"/>
+              </a:ext>
+            </a:extLst>
+          </p:cNvPr>
+          <p:cNvSpPr/>
+          <p:nvPr/>
+        </p:nvSpPr>
+        <p:spPr>
+          <a:xfrm>
+            <a:off x="1438383" y="4317714"/>
+            <a:ext cx="2568540" cy="1407560"/>
+          </a:xfrm>
+          <a:prstGeom prst="ellipse">
+            <a:avLst/>
+          </a:prstGeom>
+        </p:spPr>
+        <p:style>
+          <a:lnRef idx="2">
+            <a:schemeClr val="accent1">
+              <a:shade val="50000"/>
+            </a:schemeClr>
+          </a:lnRef>
+          <a:fillRef idx="1">
+            <a:schemeClr val="accent1"/>
+          </a:fillRef>
+          <a:effectRef idx="0">
+            <a:schemeClr val="accent1"/>
+          </a:effectRef>
+          <a:fontRef idx="minor">
+            <a:schemeClr val="lt1"/>
+          </a:fontRef>
+        </p:style>
+        <p:txBody>
+          <a:bodyPr rtlCol="0" anchor="ctr"/>
+          <a:lstStyle/>
+          <a:p>
+            <a:pPr algn="ctr"/>
+            <a:r>
+              <a:rPr lang="it-IT" sz="2400" dirty="0"/>
+              <a:t>Monumenti</a:t>
+            </a:r>
+            <a:r>
+              <a:rPr lang="it-IT" dirty="0"/>
+              <a:t> </a:t>
+            </a:r>
+          </a:p>
+          <a:p>
+            <a:pPr algn="ctr"/>
+            <a:endParaRPr lang="it-IT" dirty="0"/>
+          </a:p>
+        </p:txBody>
+      </p:sp>
+      <p:sp>
+        <p:nvSpPr>
+          <p:cNvPr id="12" name="Ovale 11">
+            <a:extLst>
+              <a:ext uri="{FF2B5EF4-FFF2-40B4-BE49-F238E27FC236}">
+                <a16:creationId xmlns:a16="http://schemas.microsoft.com/office/drawing/2014/main" id="{EA854144-DECE-41EF-4628-E69BB486AB06}"/>
+              </a:ext>
+            </a:extLst>
+          </p:cNvPr>
+          <p:cNvSpPr/>
+          <p:nvPr/>
+        </p:nvSpPr>
+        <p:spPr>
+          <a:xfrm>
+            <a:off x="1143000" y="1767156"/>
+            <a:ext cx="3028308" cy="1561672"/>
+          </a:xfrm>
+          <a:prstGeom prst="ellipse">
+            <a:avLst/>
+          </a:prstGeom>
+        </p:spPr>
+        <p:style>
+          <a:lnRef idx="2">
+            <a:schemeClr val="accent1">
+              <a:shade val="50000"/>
+            </a:schemeClr>
+          </a:lnRef>
+          <a:fillRef idx="1">
+            <a:schemeClr val="accent1"/>
+          </a:fillRef>
+          <a:effectRef idx="0">
+            <a:schemeClr val="accent1"/>
+          </a:effectRef>
+          <a:fontRef idx="minor">
+            <a:schemeClr val="lt1"/>
+          </a:fontRef>
+        </p:style>
+        <p:txBody>
+          <a:bodyPr rtlCol="0" anchor="ctr"/>
+          <a:lstStyle/>
+          <a:p>
+            <a:pPr algn="ctr"/>
+            <a:r>
+              <a:rPr lang="it-IT" sz="2400" dirty="0"/>
+              <a:t>Opere audio-video</a:t>
+            </a:r>
+          </a:p>
+          <a:p>
+            <a:pPr algn="ctr"/>
+            <a:endParaRPr lang="it-IT" dirty="0"/>
+          </a:p>
+        </p:txBody>
+      </p:sp>
+      <p:sp>
+        <p:nvSpPr>
+          <p:cNvPr id="13" name="Ovale 12">
+            <a:extLst>
+              <a:ext uri="{FF2B5EF4-FFF2-40B4-BE49-F238E27FC236}">
+                <a16:creationId xmlns:a16="http://schemas.microsoft.com/office/drawing/2014/main" id="{E577D0EA-0EB9-74EA-7569-8A7C84DEC1C2}"/>
+              </a:ext>
+            </a:extLst>
+          </p:cNvPr>
+          <p:cNvSpPr/>
+          <p:nvPr/>
+        </p:nvSpPr>
+        <p:spPr>
+          <a:xfrm>
+            <a:off x="4736388" y="5013789"/>
+            <a:ext cx="2414426" cy="1234611"/>
+          </a:xfrm>
+          <a:prstGeom prst="ellipse">
+            <a:avLst/>
+          </a:prstGeom>
+        </p:spPr>
+        <p:style>
+          <a:lnRef idx="2">
+            <a:schemeClr val="accent1">
+              <a:shade val="50000"/>
+            </a:schemeClr>
+          </a:lnRef>
+          <a:fillRef idx="1">
+            <a:schemeClr val="accent1"/>
+          </a:fillRef>
+          <a:effectRef idx="0">
+            <a:schemeClr val="accent1"/>
+          </a:effectRef>
+          <a:fontRef idx="minor">
+            <a:schemeClr val="lt1"/>
+          </a:fontRef>
+        </p:style>
+        <p:txBody>
+          <a:bodyPr rtlCol="0" anchor="ctr"/>
+          <a:lstStyle/>
+          <a:p>
+            <a:pPr algn="ctr"/>
+            <a:r>
+              <a:rPr lang="it-IT" sz="2400" dirty="0"/>
+              <a:t>Fotografie storiche</a:t>
+            </a:r>
+          </a:p>
+          <a:p>
+            <a:pPr algn="ctr"/>
+            <a:endParaRPr lang="it-IT" dirty="0"/>
+          </a:p>
+        </p:txBody>
+      </p:sp>
+      <p:sp>
+        <p:nvSpPr>
+          <p:cNvPr id="14" name="Ovale 13">
+            <a:extLst>
+              <a:ext uri="{FF2B5EF4-FFF2-40B4-BE49-F238E27FC236}">
+                <a16:creationId xmlns:a16="http://schemas.microsoft.com/office/drawing/2014/main" id="{F8122D14-3D84-82E2-EA15-9ADE0962626B}"/>
+              </a:ext>
+            </a:extLst>
+          </p:cNvPr>
+          <p:cNvSpPr/>
+          <p:nvPr/>
+        </p:nvSpPr>
+        <p:spPr>
+          <a:xfrm>
+            <a:off x="4687844" y="609600"/>
+            <a:ext cx="2802018" cy="1561672"/>
+          </a:xfrm>
+          <a:prstGeom prst="ellipse">
+            <a:avLst/>
+          </a:prstGeom>
+        </p:spPr>
+        <p:style>
+          <a:lnRef idx="2">
+            <a:schemeClr val="accent1">
+              <a:shade val="50000"/>
+            </a:schemeClr>
+          </a:lnRef>
+          <a:fillRef idx="1">
+            <a:schemeClr val="accent1"/>
+          </a:fillRef>
+          <a:effectRef idx="0">
+            <a:schemeClr val="accent1"/>
+          </a:effectRef>
+          <a:fontRef idx="minor">
+            <a:schemeClr val="lt1"/>
+          </a:fontRef>
+        </p:style>
+        <p:txBody>
+          <a:bodyPr rtlCol="0" anchor="ctr"/>
+          <a:lstStyle/>
+          <a:p>
+            <a:pPr algn="ctr"/>
+            <a:r>
+              <a:rPr lang="it-IT" sz="2400" dirty="0"/>
+              <a:t>Opere testuali</a:t>
+            </a:r>
+          </a:p>
+          <a:p>
+            <a:pPr algn="ctr"/>
+            <a:endParaRPr lang="it-IT" dirty="0"/>
+          </a:p>
+        </p:txBody>
+      </p:sp>
+      <p:sp>
+        <p:nvSpPr>
+          <p:cNvPr id="15" name="Ovale 14">
+            <a:extLst>
+              <a:ext uri="{FF2B5EF4-FFF2-40B4-BE49-F238E27FC236}">
+                <a16:creationId xmlns:a16="http://schemas.microsoft.com/office/drawing/2014/main" id="{3F01FB3E-E71E-6DB4-C28D-B2A01015E495}"/>
+              </a:ext>
+            </a:extLst>
+          </p:cNvPr>
+          <p:cNvSpPr/>
+          <p:nvPr/>
+        </p:nvSpPr>
+        <p:spPr>
+          <a:xfrm>
+            <a:off x="7880279" y="4892041"/>
+            <a:ext cx="3138241" cy="1407559"/>
+          </a:xfrm>
+          <a:prstGeom prst="ellipse">
+            <a:avLst/>
+          </a:prstGeom>
+        </p:spPr>
+        <p:style>
+          <a:lnRef idx="2">
+            <a:schemeClr val="accent1">
+              <a:shade val="50000"/>
+            </a:schemeClr>
+          </a:lnRef>
+          <a:fillRef idx="1">
+            <a:schemeClr val="accent1"/>
+          </a:fillRef>
+          <a:effectRef idx="0">
+            <a:schemeClr val="accent1"/>
+          </a:effectRef>
+          <a:fontRef idx="minor">
+            <a:schemeClr val="lt1"/>
+          </a:fontRef>
+        </p:style>
+        <p:txBody>
+          <a:bodyPr rtlCol="0" anchor="ctr"/>
+          <a:lstStyle/>
+          <a:p>
+            <a:pPr algn="ctr"/>
+            <a:r>
+              <a:rPr lang="it-IT" sz="2400" dirty="0"/>
+              <a:t>Oggetti</a:t>
+            </a:r>
+            <a:endParaRPr lang="it-IT" dirty="0"/>
+          </a:p>
+          <a:p>
+            <a:pPr algn="ctr"/>
+            <a:endParaRPr lang="it-IT" dirty="0"/>
+          </a:p>
+        </p:txBody>
+      </p:sp>
+      <p:cxnSp>
+        <p:nvCxnSpPr>
+          <p:cNvPr id="17" name="Connettore curvo 16">
+            <a:extLst>
+              <a:ext uri="{FF2B5EF4-FFF2-40B4-BE49-F238E27FC236}">
+                <a16:creationId xmlns:a16="http://schemas.microsoft.com/office/drawing/2014/main" id="{8926B5BC-3672-0849-8FAC-77ED09DD1102}"/>
+              </a:ext>
+            </a:extLst>
+          </p:cNvPr>
+          <p:cNvCxnSpPr>
+            <a:cxnSpLocks/>
+          </p:cNvCxnSpPr>
+          <p:nvPr/>
+        </p:nvCxnSpPr>
+        <p:spPr>
+          <a:xfrm rot="5400000" flipH="1" flipV="1">
+            <a:off x="5862266" y="2613919"/>
+            <a:ext cx="655833" cy="236302"/>
+          </a:xfrm>
+          <a:prstGeom prst="curvedConnector3">
+            <a:avLst>
+              <a:gd name="adj1" fmla="val 50000"/>
+            </a:avLst>
+          </a:prstGeom>
+          <a:ln w="28575">
+            <a:tailEnd type="triangle"/>
+          </a:ln>
+        </p:spPr>
+        <p:style>
+          <a:lnRef idx="1">
+            <a:schemeClr val="accent1"/>
+          </a:lnRef>
+          <a:fillRef idx="0">
+            <a:schemeClr val="accent1"/>
+          </a:fillRef>
+          <a:effectRef idx="0">
+            <a:schemeClr val="accent1"/>
+          </a:effectRef>
+          <a:fontRef idx="minor">
+            <a:schemeClr val="tx1"/>
+          </a:fontRef>
+        </p:style>
+      </p:cxnSp>
+      <p:cxnSp>
+        <p:nvCxnSpPr>
+          <p:cNvPr id="19" name="Connettore curvo 18">
+            <a:extLst>
+              <a:ext uri="{FF2B5EF4-FFF2-40B4-BE49-F238E27FC236}">
+                <a16:creationId xmlns:a16="http://schemas.microsoft.com/office/drawing/2014/main" id="{A60F29B8-4799-D63B-E15E-FA81E1E898E5}"/>
+              </a:ext>
+            </a:extLst>
+          </p:cNvPr>
+          <p:cNvCxnSpPr>
+            <a:cxnSpLocks/>
+          </p:cNvCxnSpPr>
+          <p:nvPr/>
+        </p:nvCxnSpPr>
+        <p:spPr>
+          <a:xfrm>
+            <a:off x="8209051" y="3195263"/>
+            <a:ext cx="410967" cy="272265"/>
+          </a:xfrm>
+          <a:prstGeom prst="curvedConnector3">
+            <a:avLst>
+              <a:gd name="adj1" fmla="val 50000"/>
+            </a:avLst>
+          </a:prstGeom>
+          <a:ln w="28575">
+            <a:tailEnd type="triangle"/>
+          </a:ln>
+        </p:spPr>
+        <p:style>
+          <a:lnRef idx="1">
+            <a:schemeClr val="accent1"/>
+          </a:lnRef>
+          <a:fillRef idx="0">
+            <a:schemeClr val="accent1"/>
+          </a:fillRef>
+          <a:effectRef idx="0">
+            <a:schemeClr val="accent1"/>
+          </a:effectRef>
+          <a:fontRef idx="minor">
+            <a:schemeClr val="tx1"/>
+          </a:fontRef>
+        </p:style>
+      </p:cxnSp>
+      <p:cxnSp>
+        <p:nvCxnSpPr>
+          <p:cNvPr id="20" name="Connettore curvo 19">
+            <a:extLst>
+              <a:ext uri="{FF2B5EF4-FFF2-40B4-BE49-F238E27FC236}">
+                <a16:creationId xmlns:a16="http://schemas.microsoft.com/office/drawing/2014/main" id="{2FFF32DF-6DBE-5E9C-5B58-E04549A8272B}"/>
+              </a:ext>
+            </a:extLst>
+          </p:cNvPr>
+          <p:cNvCxnSpPr>
+            <a:cxnSpLocks/>
+          </p:cNvCxnSpPr>
+          <p:nvPr/>
+        </p:nvCxnSpPr>
+        <p:spPr>
+          <a:xfrm rot="10800000" flipV="1">
+            <a:off x="3778064" y="3866420"/>
+            <a:ext cx="650100" cy="451293"/>
+          </a:xfrm>
+          <a:prstGeom prst="curvedConnector3">
+            <a:avLst/>
+          </a:prstGeom>
+          <a:ln w="28575">
+            <a:tailEnd type="triangle"/>
+          </a:ln>
+        </p:spPr>
+        <p:style>
+          <a:lnRef idx="1">
+            <a:schemeClr val="accent1"/>
+          </a:lnRef>
+          <a:fillRef idx="0">
+            <a:schemeClr val="accent1"/>
+          </a:fillRef>
+          <a:effectRef idx="0">
+            <a:schemeClr val="accent1"/>
+          </a:effectRef>
+          <a:fontRef idx="minor">
+            <a:schemeClr val="tx1"/>
+          </a:fontRef>
+        </p:style>
+      </p:cxnSp>
+      <p:cxnSp>
+        <p:nvCxnSpPr>
+          <p:cNvPr id="24" name="Connettore curvo 23">
+            <a:extLst>
+              <a:ext uri="{FF2B5EF4-FFF2-40B4-BE49-F238E27FC236}">
+                <a16:creationId xmlns:a16="http://schemas.microsoft.com/office/drawing/2014/main" id="{D0EBE4A6-B254-57AD-B05D-3EC7D7E319FC}"/>
+              </a:ext>
+            </a:extLst>
+          </p:cNvPr>
+          <p:cNvCxnSpPr>
+            <a:cxnSpLocks/>
+          </p:cNvCxnSpPr>
+          <p:nvPr/>
+        </p:nvCxnSpPr>
+        <p:spPr>
+          <a:xfrm rot="16200000" flipH="1">
+            <a:off x="5511229" y="4125931"/>
+            <a:ext cx="731178" cy="390418"/>
+          </a:xfrm>
+          <a:prstGeom prst="curvedConnector3">
+            <a:avLst>
+              <a:gd name="adj1" fmla="val 50000"/>
+            </a:avLst>
+          </a:prstGeom>
+          <a:ln w="28575">
+            <a:tailEnd type="triangle"/>
+          </a:ln>
+        </p:spPr>
+        <p:style>
+          <a:lnRef idx="1">
+            <a:schemeClr val="accent1"/>
+          </a:lnRef>
+          <a:fillRef idx="0">
+            <a:schemeClr val="accent1"/>
+          </a:fillRef>
+          <a:effectRef idx="0">
+            <a:schemeClr val="accent1"/>
+          </a:effectRef>
+          <a:fontRef idx="minor">
+            <a:schemeClr val="tx1"/>
+          </a:fontRef>
+        </p:style>
+      </p:cxnSp>
+      <p:cxnSp>
+        <p:nvCxnSpPr>
+          <p:cNvPr id="29" name="Connettore curvo 28">
+            <a:extLst>
+              <a:ext uri="{FF2B5EF4-FFF2-40B4-BE49-F238E27FC236}">
+                <a16:creationId xmlns:a16="http://schemas.microsoft.com/office/drawing/2014/main" id="{23DED673-C948-5EDD-D432-D95DC3114FA5}"/>
+              </a:ext>
+            </a:extLst>
+          </p:cNvPr>
+          <p:cNvCxnSpPr>
+            <a:cxnSpLocks/>
+          </p:cNvCxnSpPr>
+          <p:nvPr/>
+        </p:nvCxnSpPr>
+        <p:spPr>
+          <a:xfrm rot="16200000" flipH="1">
+            <a:off x="6893446" y="3969680"/>
+            <a:ext cx="1025620" cy="819102"/>
+          </a:xfrm>
+          <a:prstGeom prst="curvedConnector3">
+            <a:avLst/>
+          </a:prstGeom>
+          <a:ln w="28575">
+            <a:tailEnd type="triangle"/>
+          </a:ln>
+        </p:spPr>
+        <p:style>
+          <a:lnRef idx="1">
+            <a:schemeClr val="accent1"/>
+          </a:lnRef>
+          <a:fillRef idx="0">
+            <a:schemeClr val="accent1"/>
+          </a:fillRef>
+          <a:effectRef idx="0">
+            <a:schemeClr val="accent1"/>
+          </a:effectRef>
+          <a:fontRef idx="minor">
+            <a:schemeClr val="tx1"/>
+          </a:fontRef>
+        </p:style>
+      </p:cxnSp>
+      <p:cxnSp>
+        <p:nvCxnSpPr>
+          <p:cNvPr id="35" name="Connettore curvo 34">
+            <a:extLst>
+              <a:ext uri="{FF2B5EF4-FFF2-40B4-BE49-F238E27FC236}">
+                <a16:creationId xmlns:a16="http://schemas.microsoft.com/office/drawing/2014/main" id="{DC5C10A3-900E-812B-0F4A-14937E37E57A}"/>
+              </a:ext>
+            </a:extLst>
+          </p:cNvPr>
+          <p:cNvCxnSpPr>
+            <a:cxnSpLocks/>
+          </p:cNvCxnSpPr>
+          <p:nvPr/>
+        </p:nvCxnSpPr>
+        <p:spPr>
+          <a:xfrm flipV="1">
+            <a:off x="7096618" y="2527443"/>
+            <a:ext cx="704300" cy="481343"/>
+          </a:xfrm>
+          <a:prstGeom prst="curvedConnector3">
+            <a:avLst/>
+          </a:prstGeom>
+          <a:ln w="28575">
+            <a:tailEnd type="triangle"/>
+          </a:ln>
+        </p:spPr>
+        <p:style>
+          <a:lnRef idx="1">
+            <a:schemeClr val="accent1"/>
+          </a:lnRef>
+          <a:fillRef idx="0">
+            <a:schemeClr val="accent1"/>
+          </a:fillRef>
+          <a:effectRef idx="0">
+            <a:schemeClr val="accent1"/>
+          </a:effectRef>
+          <a:fontRef idx="minor">
+            <a:schemeClr val="tx1"/>
+          </a:fontRef>
+        </p:style>
+      </p:cxnSp>
+      <p:cxnSp>
+        <p:nvCxnSpPr>
+          <p:cNvPr id="39" name="Connettore curvo 38">
+            <a:extLst>
+              <a:ext uri="{FF2B5EF4-FFF2-40B4-BE49-F238E27FC236}">
+                <a16:creationId xmlns:a16="http://schemas.microsoft.com/office/drawing/2014/main" id="{1A0238C5-46B2-DBBF-B248-C5054B4D8847}"/>
+              </a:ext>
+            </a:extLst>
+          </p:cNvPr>
+          <p:cNvCxnSpPr>
+            <a:cxnSpLocks/>
+          </p:cNvCxnSpPr>
+          <p:nvPr/>
+        </p:nvCxnSpPr>
+        <p:spPr>
+          <a:xfrm rot="10800000">
+            <a:off x="4428166" y="2527446"/>
+            <a:ext cx="704300" cy="565077"/>
+          </a:xfrm>
+          <a:prstGeom prst="curvedConnector3">
+            <a:avLst/>
+          </a:prstGeom>
+          <a:ln w="28575">
+            <a:tailEnd type="triangle"/>
+          </a:ln>
+        </p:spPr>
+        <p:style>
+          <a:lnRef idx="1">
+            <a:schemeClr val="accent1"/>
+          </a:lnRef>
+          <a:fillRef idx="0">
+            <a:schemeClr val="accent1"/>
+          </a:fillRef>
+          <a:effectRef idx="0">
+            <a:schemeClr val="accent1"/>
+          </a:effectRef>
+          <a:fontRef idx="minor">
+            <a:schemeClr val="tx1"/>
+          </a:fontRef>
+        </p:style>
+      </p:cxnSp>
     </p:spTree>
     <p:extLst>
       <p:ext uri="{BB962C8B-B14F-4D97-AF65-F5344CB8AC3E}">
@@ -6928,7 +7587,12 @@
             <p:ph type="title"/>
           </p:nvPr>
         </p:nvSpPr>
-        <p:spPr/>
+        <p:spPr>
+          <a:xfrm>
+            <a:off x="4654192" y="609600"/>
+            <a:ext cx="6364327" cy="1356360"/>
+          </a:xfrm>
+        </p:spPr>
         <p:txBody>
           <a:bodyPr/>
           <a:lstStyle/>
@@ -6956,12 +7620,59 @@
             <p:ph idx="1"/>
           </p:nvPr>
         </p:nvSpPr>
-        <p:spPr/>
+        <p:spPr>
+          <a:xfrm>
+            <a:off x="1143000" y="2424700"/>
+            <a:ext cx="9872871" cy="3671299"/>
+          </a:xfrm>
+        </p:spPr>
         <p:txBody>
           <a:bodyPr/>
           <a:lstStyle/>
           <a:p>
-            <a:endParaRPr lang="it-IT"/>
+            <a:r>
+              <a:rPr lang="it-IT" sz="2800" dirty="0" err="1"/>
+              <a:t>Dublin</a:t>
+            </a:r>
+            <a:r>
+              <a:rPr lang="it-IT" sz="2800" dirty="0"/>
+              <a:t> Core</a:t>
+            </a:r>
+            <a:r>
+              <a:rPr lang="it-IT" sz="2400" dirty="0"/>
+              <a:t>, standard generico per tutte le tipologie di item</a:t>
+            </a:r>
+          </a:p>
+          <a:p>
+            <a:r>
+              <a:rPr lang="it-IT" sz="2800" dirty="0"/>
+              <a:t>TEI</a:t>
+            </a:r>
+            <a:r>
+              <a:rPr lang="it-IT" dirty="0"/>
+              <a:t>, </a:t>
+            </a:r>
+            <a:r>
+              <a:rPr lang="it-IT" sz="2400" dirty="0"/>
+              <a:t>standard specifico per item testuali (versione P5, nello specifico TEI-Lite)</a:t>
+            </a:r>
+          </a:p>
+          <a:p>
+            <a:r>
+              <a:rPr lang="it-IT" sz="2800" dirty="0"/>
+              <a:t>CCO</a:t>
+            </a:r>
+            <a:r>
+              <a:rPr lang="it-IT" dirty="0"/>
+              <a:t>, </a:t>
+            </a:r>
+            <a:r>
+              <a:rPr lang="it-IT" sz="2400" dirty="0"/>
+              <a:t>altro standard utilizzabile per le opere d’arte (non usato)</a:t>
+            </a:r>
+          </a:p>
+          <a:p>
+            <a:endParaRPr lang="it-IT" dirty="0"/>
           </a:p>
         </p:txBody>
       </p:sp>
@@ -7045,25 +7756,45 @@
           <a:lstStyle/>
           <a:p>
             <a:r>
+              <a:rPr lang="it-IT" sz="2400" dirty="0"/>
+              <a:t>Catalogo</a:t>
+            </a:r>
+            <a:r>
               <a:rPr lang="it-IT" dirty="0"/>
-              <a:t>Catalogo</a:t>
-            </a:r>
-          </a:p>
-          <a:p>
-            <a:r>
-              <a:rPr lang="it-IT" dirty="0"/>
-              <a:t>Ricerca libera nella </a:t>
+              <a:t> (</a:t>
             </a:r>
             <a:r>
               <a:rPr lang="it-IT" dirty="0" err="1"/>
               <a:t>navbar</a:t>
             </a:r>
+            <a:r>
+              <a:rPr lang="it-IT" dirty="0"/>
+              <a:t>)</a:t>
+            </a:r>
+          </a:p>
+          <a:p>
+            <a:r>
+              <a:rPr lang="it-IT" sz="2400" dirty="0"/>
+              <a:t>Ricerca libera </a:t>
+            </a:r>
+            <a:r>
+              <a:rPr lang="it-IT" dirty="0"/>
+              <a:t>nella </a:t>
+            </a:r>
+            <a:r>
+              <a:rPr lang="it-IT" dirty="0" err="1"/>
+              <a:t>navbar</a:t>
+            </a:r>
             <a:endParaRPr lang="it-IT" dirty="0"/>
           </a:p>
           <a:p>
             <a:r>
+              <a:rPr lang="it-IT" sz="2400" dirty="0"/>
+              <a:t>Ricerca avanzata </a:t>
+            </a:r>
+            <a:r>
               <a:rPr lang="it-IT" dirty="0"/>
-              <a:t>Ricerca avanzata per persona, per data e per luogo</a:t>
+              <a:t>per persona, per data e per luogo (attivo per persona)</a:t>
             </a:r>
           </a:p>
           <a:p>

--- a/GrandeGuerraPrealpiVicentine.pptx
+++ b/GrandeGuerraPrealpiVicentine.pptx
@@ -7631,11 +7631,11 @@
           <a:lstStyle/>
           <a:p>
             <a:r>
-              <a:rPr lang="it-IT" sz="2800" dirty="0" err="1"/>
+              <a:rPr lang="it-IT" sz="2800" b="1" dirty="0" err="1"/>
               <a:t>Dublin</a:t>
             </a:r>
             <a:r>
-              <a:rPr lang="it-IT" sz="2800" dirty="0"/>
+              <a:rPr lang="it-IT" sz="2800" b="1" dirty="0"/>
               <a:t> Core</a:t>
             </a:r>
             <a:r>
@@ -7644,8 +7644,14 @@
             </a:r>
           </a:p>
           <a:p>
-            <a:r>
-              <a:rPr lang="it-IT" sz="2800" dirty="0"/>
+            <a:pPr marL="45720" indent="0">
+              <a:buNone/>
+            </a:pPr>
+            <a:endParaRPr lang="it-IT" sz="2400" dirty="0"/>
+          </a:p>
+          <a:p>
+            <a:r>
+              <a:rPr lang="it-IT" sz="2800" b="1" dirty="0"/>
               <a:t>TEI</a:t>
             </a:r>
             <a:r>
@@ -7658,8 +7664,14 @@
             </a:r>
           </a:p>
           <a:p>
-            <a:r>
-              <a:rPr lang="it-IT" sz="2800" dirty="0"/>
+            <a:pPr marL="45720" indent="0">
+              <a:buNone/>
+            </a:pPr>
+            <a:endParaRPr lang="it-IT" sz="2400" dirty="0"/>
+          </a:p>
+          <a:p>
+            <a:r>
+              <a:rPr lang="it-IT" sz="2800" b="1" dirty="0"/>
               <a:t>CCO</a:t>
             </a:r>
             <a:r>
@@ -7736,69 +7748,170 @@
       </p:sp>
       <p:sp>
         <p:nvSpPr>
-          <p:cNvPr id="3" name="Segnaposto contenuto 2">
+          <p:cNvPr id="4" name="Rettangolo con angoli arrotondati 3">
             <a:extLst>
               <a:ext uri="{FF2B5EF4-FFF2-40B4-BE49-F238E27FC236}">
-                <a16:creationId xmlns:a16="http://schemas.microsoft.com/office/drawing/2014/main" id="{9BF347B9-1C2C-0308-F90B-19D7A8E91BED}"/>
+                <a16:creationId xmlns:a16="http://schemas.microsoft.com/office/drawing/2014/main" id="{30609DAD-9975-8F42-AE78-B20D77707464}"/>
               </a:ext>
             </a:extLst>
           </p:cNvPr>
-          <p:cNvSpPr>
-            <a:spLocks noGrp="1"/>
-          </p:cNvSpPr>
-          <p:nvPr>
-            <p:ph idx="1"/>
-          </p:nvPr>
-        </p:nvSpPr>
-        <p:spPr/>
-        <p:txBody>
-          <a:bodyPr/>
+          <p:cNvSpPr/>
+          <p:nvPr/>
+        </p:nvSpPr>
+        <p:spPr>
+          <a:xfrm>
+            <a:off x="1143000" y="2057400"/>
+            <a:ext cx="9663108" cy="1109609"/>
+          </a:xfrm>
+          <a:prstGeom prst="roundRect">
+            <a:avLst/>
+          </a:prstGeom>
+        </p:spPr>
+        <p:style>
+          <a:lnRef idx="2">
+            <a:schemeClr val="accent1">
+              <a:shade val="50000"/>
+            </a:schemeClr>
+          </a:lnRef>
+          <a:fillRef idx="1">
+            <a:schemeClr val="accent1"/>
+          </a:fillRef>
+          <a:effectRef idx="0">
+            <a:schemeClr val="accent1"/>
+          </a:effectRef>
+          <a:fontRef idx="minor">
+            <a:schemeClr val="lt1"/>
+          </a:fontRef>
+        </p:style>
+        <p:txBody>
+          <a:bodyPr rtlCol="0" anchor="ctr"/>
           <a:lstStyle/>
           <a:p>
             <a:r>
+              <a:rPr lang="it-IT" sz="3200" dirty="0"/>
+              <a:t>Catalogo</a:t>
+            </a:r>
+            <a:r>
               <a:rPr lang="it-IT" sz="2400" dirty="0"/>
-              <a:t>Catalogo</a:t>
-            </a:r>
-            <a:r>
-              <a:rPr lang="it-IT" dirty="0"/>
               <a:t> (</a:t>
             </a:r>
             <a:r>
-              <a:rPr lang="it-IT" dirty="0" err="1"/>
+              <a:rPr lang="it-IT" sz="2400" dirty="0" err="1"/>
               <a:t>navbar</a:t>
             </a:r>
             <a:r>
-              <a:rPr lang="it-IT" dirty="0"/>
+              <a:rPr lang="it-IT" sz="2400" dirty="0"/>
               <a:t>)</a:t>
             </a:r>
           </a:p>
-          <a:p>
+        </p:txBody>
+      </p:sp>
+      <p:sp>
+        <p:nvSpPr>
+          <p:cNvPr id="5" name="Rettangolo con angoli arrotondati 4">
+            <a:extLst>
+              <a:ext uri="{FF2B5EF4-FFF2-40B4-BE49-F238E27FC236}">
+                <a16:creationId xmlns:a16="http://schemas.microsoft.com/office/drawing/2014/main" id="{8768B164-FE69-484A-27DC-1F577299FFA6}"/>
+              </a:ext>
+            </a:extLst>
+          </p:cNvPr>
+          <p:cNvSpPr/>
+          <p:nvPr/>
+        </p:nvSpPr>
+        <p:spPr>
+          <a:xfrm>
+            <a:off x="1176129" y="5072865"/>
+            <a:ext cx="9596063" cy="1109609"/>
+          </a:xfrm>
+          <a:prstGeom prst="roundRect">
+            <a:avLst/>
+          </a:prstGeom>
+        </p:spPr>
+        <p:style>
+          <a:lnRef idx="2">
+            <a:schemeClr val="accent1">
+              <a:shade val="50000"/>
+            </a:schemeClr>
+          </a:lnRef>
+          <a:fillRef idx="1">
+            <a:schemeClr val="accent1"/>
+          </a:fillRef>
+          <a:effectRef idx="0">
+            <a:schemeClr val="accent1"/>
+          </a:effectRef>
+          <a:fontRef idx="minor">
+            <a:schemeClr val="lt1"/>
+          </a:fontRef>
+        </p:style>
+        <p:txBody>
+          <a:bodyPr rtlCol="0" anchor="ctr"/>
+          <a:lstStyle/>
+          <a:p>
+            <a:r>
+              <a:rPr lang="it-IT" sz="3200" dirty="0"/>
+              <a:t>Ricerca avanzata </a:t>
+            </a:r>
             <a:r>
               <a:rPr lang="it-IT" sz="2400" dirty="0"/>
+              <a:t>per persona, per data e per luogo (attivo per persona)</a:t>
+            </a:r>
+          </a:p>
+        </p:txBody>
+      </p:sp>
+      <p:sp>
+        <p:nvSpPr>
+          <p:cNvPr id="6" name="Rettangolo con angoli arrotondati 5">
+            <a:extLst>
+              <a:ext uri="{FF2B5EF4-FFF2-40B4-BE49-F238E27FC236}">
+                <a16:creationId xmlns:a16="http://schemas.microsoft.com/office/drawing/2014/main" id="{D21C018B-3328-396D-5C71-A7B05DB74CB0}"/>
+              </a:ext>
+            </a:extLst>
+          </p:cNvPr>
+          <p:cNvSpPr/>
+          <p:nvPr/>
+        </p:nvSpPr>
+        <p:spPr>
+          <a:xfrm>
+            <a:off x="1176128" y="3555885"/>
+            <a:ext cx="9596063" cy="1109609"/>
+          </a:xfrm>
+          <a:prstGeom prst="roundRect">
+            <a:avLst/>
+          </a:prstGeom>
+        </p:spPr>
+        <p:style>
+          <a:lnRef idx="2">
+            <a:schemeClr val="accent1">
+              <a:shade val="50000"/>
+            </a:schemeClr>
+          </a:lnRef>
+          <a:fillRef idx="1">
+            <a:schemeClr val="accent1"/>
+          </a:fillRef>
+          <a:effectRef idx="0">
+            <a:schemeClr val="accent1"/>
+          </a:effectRef>
+          <a:fontRef idx="minor">
+            <a:schemeClr val="lt1"/>
+          </a:fontRef>
+        </p:style>
+        <p:txBody>
+          <a:bodyPr rtlCol="0" anchor="ctr"/>
+          <a:lstStyle/>
+          <a:p>
+            <a:r>
+              <a:rPr lang="it-IT" sz="3200" dirty="0"/>
               <a:t>Ricerca libera </a:t>
             </a:r>
             <a:r>
-              <a:rPr lang="it-IT" dirty="0"/>
+              <a:rPr lang="it-IT" sz="2400" dirty="0"/>
               <a:t>nella </a:t>
             </a:r>
             <a:r>
-              <a:rPr lang="it-IT" dirty="0" err="1"/>
+              <a:rPr lang="it-IT" sz="2400" dirty="0" err="1"/>
               <a:t>navbar</a:t>
             </a:r>
-            <a:endParaRPr lang="it-IT" dirty="0"/>
-          </a:p>
-          <a:p>
-            <a:r>
-              <a:rPr lang="it-IT" sz="2400" dirty="0"/>
-              <a:t>Ricerca avanzata </a:t>
-            </a:r>
-            <a:r>
-              <a:rPr lang="it-IT" dirty="0"/>
-              <a:t>per persona, per data e per luogo (attivo per persona)</a:t>
-            </a:r>
-          </a:p>
-          <a:p>
-            <a:endParaRPr lang="it-IT" dirty="0"/>
+            <a:endParaRPr lang="it-IT" sz="2400" dirty="0"/>
           </a:p>
         </p:txBody>
       </p:sp>

--- a/GrandeGuerraPrealpiVicentine.pptx
+++ b/GrandeGuerraPrealpiVicentine.pptx
@@ -7622,8 +7622,8 @@
         </p:nvSpPr>
         <p:spPr>
           <a:xfrm>
-            <a:off x="1143000" y="2424700"/>
-            <a:ext cx="9872871" cy="3671299"/>
+            <a:off x="1143000" y="2116476"/>
+            <a:ext cx="9872871" cy="3979523"/>
           </a:xfrm>
         </p:spPr>
         <p:txBody>
@@ -7680,7 +7680,7 @@
             </a:r>
             <a:r>
               <a:rPr lang="it-IT" sz="2400" dirty="0"/>
-              <a:t>altro standard utilizzabile per le opere d’arte (non usato)</a:t>
+              <a:t>altro standard utilizzabile per le opere d’arte. Standard per la descrizione di oggetti culturali usato a livello internazionale (non usato)</a:t>
             </a:r>
           </a:p>
           <a:p>
